--- a/122/cats-chairs-slides.pptx
+++ b/122/cats-chairs-slides.pptx
@@ -6,7 +6,7 @@
     <p:sldMasterId id="2147483665" r:id="rId2"/>
   </p:sldMasterIdLst>
   <p:notesMasterIdLst>
-    <p:notesMasterId r:id="rId15"/>
+    <p:notesMasterId r:id="rId16"/>
   </p:notesMasterIdLst>
   <p:sldIdLst>
     <p:sldId id="276" r:id="rId3"/>
@@ -14,13 +14,14 @@
     <p:sldId id="258" r:id="rId5"/>
     <p:sldId id="259" r:id="rId6"/>
     <p:sldId id="260" r:id="rId7"/>
-    <p:sldId id="271" r:id="rId8"/>
-    <p:sldId id="269" r:id="rId9"/>
-    <p:sldId id="268" r:id="rId10"/>
-    <p:sldId id="277" r:id="rId11"/>
-    <p:sldId id="278" r:id="rId12"/>
-    <p:sldId id="279" r:id="rId13"/>
-    <p:sldId id="273" r:id="rId14"/>
+    <p:sldId id="280" r:id="rId8"/>
+    <p:sldId id="271" r:id="rId9"/>
+    <p:sldId id="269" r:id="rId10"/>
+    <p:sldId id="268" r:id="rId11"/>
+    <p:sldId id="277" r:id="rId12"/>
+    <p:sldId id="278" r:id="rId13"/>
+    <p:sldId id="279" r:id="rId14"/>
+    <p:sldId id="273" r:id="rId15"/>
   </p:sldIdLst>
   <p:sldSz cx="9144000" cy="5143500" type="screen16x9"/>
   <p:notesSz cx="6858000" cy="9144000"/>
@@ -276,7 +277,6 @@
 <p1510:revInfo xmlns:a="http://schemas.openxmlformats.org/drawingml/2006/main" xmlns:r="http://schemas.openxmlformats.org/officeDocument/2006/relationships" xmlns:p1510="http://schemas.microsoft.com/office/powerpoint/2015/10/main">
   <p1510:revLst>
     <p1510:client id="{8406E0B4-09BF-4A05-B30B-443B88B51C68}" v="6" dt="2025-03-07T14:29:02.615"/>
-    <p1510:client id="{E6BEDC53-1058-40DF-84A9-01050C2EB903}" v="8" dt="2025-03-07T14:13:37.556"/>
   </p1510:revLst>
 </p1510:revInfo>
 </file>
@@ -18303,6 +18303,285 @@
           <a:p>
             <a:r>
               <a:rPr lang="fr-FR" dirty="0"/>
+              <a:t>CATS Use Cases &amp; </a:t>
+            </a:r>
+            <a:r>
+              <a:rPr lang="fr-FR" dirty="0" err="1"/>
+              <a:t>Requirements</a:t>
+            </a:r>
+            <a:endParaRPr lang="fr-FR" dirty="0"/>
+          </a:p>
+        </p:txBody>
+      </p:sp>
+      <p:sp>
+        <p:nvSpPr>
+          <p:cNvPr id="4" name="Espace réservé du numéro de diapositive 3">
+            <a:extLst>
+              <a:ext uri="{FF2B5EF4-FFF2-40B4-BE49-F238E27FC236}">
+                <a16:creationId xmlns:a16="http://schemas.microsoft.com/office/drawing/2014/main" id="{624AA405-6699-8D1C-1A29-C407687855A1}"/>
+              </a:ext>
+            </a:extLst>
+          </p:cNvPr>
+          <p:cNvSpPr>
+            <a:spLocks noGrp="1"/>
+          </p:cNvSpPr>
+          <p:nvPr>
+            <p:ph type="sldNum" idx="12"/>
+          </p:nvPr>
+        </p:nvSpPr>
+        <p:spPr/>
+        <p:txBody>
+          <a:bodyPr/>
+          <a:lstStyle/>
+          <a:p>
+            <a:pPr marL="0" lvl="0" indent="0" algn="r" rtl="0">
+              <a:spcBef>
+                <a:spcPts val="0"/>
+              </a:spcBef>
+              <a:spcAft>
+                <a:spcPts val="0"/>
+              </a:spcAft>
+              <a:buNone/>
+            </a:pPr>
+            <a:fld id="{00000000-1234-1234-1234-123412341234}" type="slidenum">
+              <a:rPr lang="en-US" smtClean="0"/>
+              <a:t>10</a:t>
+            </a:fld>
+            <a:endParaRPr lang="en-US"/>
+          </a:p>
+        </p:txBody>
+      </p:sp>
+      <p:sp>
+        <p:nvSpPr>
+          <p:cNvPr id="3" name="Google Shape;120;p22">
+            <a:extLst>
+              <a:ext uri="{FF2B5EF4-FFF2-40B4-BE49-F238E27FC236}">
+                <a16:creationId xmlns:a16="http://schemas.microsoft.com/office/drawing/2014/main" id="{CBD77164-6260-B036-A914-219B519CCDA1}"/>
+              </a:ext>
+            </a:extLst>
+          </p:cNvPr>
+          <p:cNvSpPr txBox="1">
+            <a:spLocks noGrp="1"/>
+          </p:cNvSpPr>
+          <p:nvPr>
+            <p:ph type="body" idx="1"/>
+          </p:nvPr>
+        </p:nvSpPr>
+        <p:spPr>
+          <a:xfrm>
+            <a:off x="331800" y="1896950"/>
+            <a:ext cx="8480400" cy="2727300"/>
+          </a:xfrm>
+          <a:prstGeom prst="rect">
+            <a:avLst/>
+          </a:prstGeom>
+          <a:noFill/>
+          <a:ln>
+            <a:noFill/>
+          </a:ln>
+        </p:spPr>
+        <p:txBody>
+          <a:bodyPr spcFirstLastPara="1" wrap="square" lIns="91400" tIns="91400" rIns="91400" bIns="91400" anchor="t" anchorCtr="0">
+            <a:noAutofit/>
+          </a:bodyPr>
+          <a:lstStyle/>
+          <a:p>
+            <a:pPr marL="0" lvl="0" indent="0" algn="l" rtl="0">
+              <a:lnSpc>
+                <a:spcPct val="110000"/>
+              </a:lnSpc>
+              <a:spcBef>
+                <a:spcPts val="300"/>
+              </a:spcBef>
+              <a:spcAft>
+                <a:spcPts val="0"/>
+              </a:spcAft>
+              <a:buNone/>
+            </a:pPr>
+            <a:r>
+              <a:rPr lang="fr-FR" sz="1600" b="1" dirty="0">
+                <a:solidFill>
+                  <a:srgbClr val="000000"/>
+                </a:solidFill>
+              </a:rPr>
+              <a:t>Goals</a:t>
+            </a:r>
+            <a:endParaRPr sz="1600" dirty="0">
+              <a:solidFill>
+                <a:srgbClr val="000000"/>
+              </a:solidFill>
+            </a:endParaRPr>
+          </a:p>
+          <a:p>
+            <a:pPr algn="l">
+              <a:buFont typeface="Arial" panose="020B0604020202020204" pitchFamily="34" charset="0"/>
+              <a:buChar char="•"/>
+            </a:pPr>
+            <a:r>
+              <a:rPr lang="en-US" b="0" i="1" dirty="0">
+                <a:solidFill>
+                  <a:srgbClr val="1F2328"/>
+                </a:solidFill>
+                <a:effectLst/>
+                <a:latin typeface="-apple-system"/>
+              </a:rPr>
+              <a:t>Share UCs consolidation updates since IETF#121</a:t>
+            </a:r>
+            <a:endParaRPr lang="en-US" b="0" i="0" dirty="0">
+              <a:solidFill>
+                <a:srgbClr val="1F2328"/>
+              </a:solidFill>
+              <a:effectLst/>
+              <a:latin typeface="-apple-system"/>
+            </a:endParaRPr>
+          </a:p>
+          <a:p>
+            <a:pPr algn="l">
+              <a:buFont typeface="Arial" panose="020B0604020202020204" pitchFamily="34" charset="0"/>
+              <a:buChar char="•"/>
+            </a:pPr>
+            <a:r>
+              <a:rPr lang="en-US" b="0" i="1" dirty="0">
+                <a:solidFill>
+                  <a:srgbClr val="1F2328"/>
+                </a:solidFill>
+                <a:effectLst/>
+                <a:latin typeface="-apple-system"/>
+              </a:rPr>
+              <a:t>Resolve remaining issues</a:t>
+            </a:r>
+            <a:endParaRPr lang="en-US" b="0" i="0" dirty="0">
+              <a:solidFill>
+                <a:srgbClr val="1F2328"/>
+              </a:solidFill>
+              <a:effectLst/>
+              <a:latin typeface="-apple-system"/>
+            </a:endParaRPr>
+          </a:p>
+          <a:p>
+            <a:pPr algn="l">
+              <a:buFont typeface="Arial" panose="020B0604020202020204" pitchFamily="34" charset="0"/>
+              <a:buChar char="•"/>
+            </a:pPr>
+            <a:r>
+              <a:rPr lang="en-US" b="0" i="1" dirty="0">
+                <a:solidFill>
+                  <a:srgbClr val="1F2328"/>
+                </a:solidFill>
+                <a:effectLst/>
+                <a:latin typeface="-apple-system"/>
+              </a:rPr>
+              <a:t>Agree on the publication plan</a:t>
+            </a:r>
+            <a:endParaRPr lang="en-US" b="0" i="0" dirty="0">
+              <a:solidFill>
+                <a:srgbClr val="1F2328"/>
+              </a:solidFill>
+              <a:effectLst/>
+              <a:latin typeface="-apple-system"/>
+            </a:endParaRPr>
+          </a:p>
+          <a:p>
+            <a:pPr marL="742950" lvl="1" indent="-285750" algn="l">
+              <a:buFont typeface="Arial" panose="020B0604020202020204" pitchFamily="34" charset="0"/>
+              <a:buChar char="•"/>
+            </a:pPr>
+            <a:r>
+              <a:rPr lang="en-US" b="0" i="1" dirty="0">
+                <a:solidFill>
+                  <a:srgbClr val="1F2328"/>
+                </a:solidFill>
+                <a:effectLst/>
+                <a:latin typeface="-apple-system"/>
+              </a:rPr>
+              <a:t>Target WGLC date</a:t>
+            </a:r>
+            <a:endParaRPr lang="en-US" b="0" i="0" dirty="0">
+              <a:solidFill>
+                <a:srgbClr val="1F2328"/>
+              </a:solidFill>
+              <a:effectLst/>
+              <a:latin typeface="-apple-system"/>
+            </a:endParaRPr>
+          </a:p>
+          <a:p>
+            <a:pPr marL="742950" lvl="1" indent="-285750" algn="l">
+              <a:buFont typeface="Arial" panose="020B0604020202020204" pitchFamily="34" charset="0"/>
+              <a:buChar char="•"/>
+            </a:pPr>
+            <a:r>
+              <a:rPr lang="en-US" b="0" i="1" dirty="0">
+                <a:solidFill>
+                  <a:srgbClr val="1F2328"/>
+                </a:solidFill>
+                <a:effectLst/>
+                <a:latin typeface="-apple-system"/>
+              </a:rPr>
+              <a:t>Tag as Information-Only or Request Publication?</a:t>
+            </a:r>
+            <a:endParaRPr lang="en-US" b="0" i="0" dirty="0">
+              <a:solidFill>
+                <a:srgbClr val="1F2328"/>
+              </a:solidFill>
+              <a:effectLst/>
+              <a:latin typeface="-apple-system"/>
+            </a:endParaRPr>
+          </a:p>
+        </p:txBody>
+      </p:sp>
+    </p:spTree>
+    <p:extLst>
+      <p:ext uri="{BB962C8B-B14F-4D97-AF65-F5344CB8AC3E}">
+        <p14:creationId xmlns:p14="http://schemas.microsoft.com/office/powerpoint/2010/main" val="4235656547"/>
+      </p:ext>
+    </p:extLst>
+  </p:cSld>
+  <p:clrMapOvr>
+    <a:masterClrMapping/>
+  </p:clrMapOvr>
+</p:sld>
+</file>
+
+<file path=ppt/slides/slide11.xml><?xml version="1.0" encoding="utf-8"?>
+<p:sld xmlns:a="http://schemas.openxmlformats.org/drawingml/2006/main" xmlns:r="http://schemas.openxmlformats.org/officeDocument/2006/relationships" xmlns:p="http://schemas.openxmlformats.org/presentationml/2006/main">
+  <p:cSld>
+    <p:spTree>
+      <p:nvGrpSpPr>
+        <p:cNvPr id="1" name=""/>
+        <p:cNvGrpSpPr/>
+        <p:nvPr/>
+      </p:nvGrpSpPr>
+      <p:grpSpPr>
+        <a:xfrm>
+          <a:off x="0" y="0"/>
+          <a:ext cx="0" cy="0"/>
+          <a:chOff x="0" y="0"/>
+          <a:chExt cx="0" cy="0"/>
+        </a:xfrm>
+      </p:grpSpPr>
+      <p:sp>
+        <p:nvSpPr>
+          <p:cNvPr id="2" name="Titre 1">
+            <a:extLst>
+              <a:ext uri="{FF2B5EF4-FFF2-40B4-BE49-F238E27FC236}">
+                <a16:creationId xmlns:a16="http://schemas.microsoft.com/office/drawing/2014/main" id="{8CA407AD-6D47-FD00-DB11-370AFCFFA6C2}"/>
+              </a:ext>
+            </a:extLst>
+          </p:cNvPr>
+          <p:cNvSpPr>
+            <a:spLocks noGrp="1"/>
+          </p:cNvSpPr>
+          <p:nvPr>
+            <p:ph type="title"/>
+          </p:nvPr>
+        </p:nvSpPr>
+        <p:spPr/>
+        <p:txBody>
+          <a:bodyPr/>
+          <a:lstStyle/>
+          <a:p>
+            <a:r>
+              <a:rPr lang="fr-FR" dirty="0"/>
               <a:t>CATS Framework</a:t>
             </a:r>
           </a:p>
@@ -18340,7 +18619,7 @@
             </a:pPr>
             <a:fld id="{00000000-1234-1234-1234-123412341234}" type="slidenum">
               <a:rPr lang="en-US" smtClean="0"/>
-              <a:t>10</a:t>
+              <a:t>11</a:t>
             </a:fld>
             <a:endParaRPr lang="en-US"/>
           </a:p>
@@ -18537,7 +18816,7 @@
 </p:sld>
 </file>
 
-<file path=ppt/slides/slide11.xml><?xml version="1.0" encoding="utf-8"?>
+<file path=ppt/slides/slide12.xml><?xml version="1.0" encoding="utf-8"?>
 <p:sld xmlns:a="http://schemas.openxmlformats.org/drawingml/2006/main" xmlns:r="http://schemas.openxmlformats.org/officeDocument/2006/relationships" xmlns:p="http://schemas.openxmlformats.org/presentationml/2006/main">
   <p:cSld>
     <p:spTree>
@@ -18619,7 +18898,7 @@
             </a:pPr>
             <a:fld id="{00000000-1234-1234-1234-123412341234}" type="slidenum">
               <a:rPr lang="en-US" smtClean="0"/>
-              <a:t>11</a:t>
+              <a:t>12</a:t>
             </a:fld>
             <a:endParaRPr lang="en-US"/>
           </a:p>
@@ -18747,7 +19026,7 @@
 </p:sld>
 </file>
 
-<file path=ppt/slides/slide12.xml><?xml version="1.0" encoding="utf-8"?>
+<file path=ppt/slides/slide13.xml><?xml version="1.0" encoding="utf-8"?>
 <p:sld xmlns:a="http://schemas.openxmlformats.org/drawingml/2006/main" xmlns:r="http://schemas.openxmlformats.org/officeDocument/2006/relationships" xmlns:p="http://schemas.openxmlformats.org/presentationml/2006/main">
   <p:cSld>
     <p:spTree>
@@ -18876,7 +19155,7 @@
             </a:pPr>
             <a:fld id="{00000000-1234-1234-1234-123412341234}" type="slidenum">
               <a:rPr lang="en-US" smtClean="0"/>
-              <a:t>12</a:t>
+              <a:t>13</a:t>
             </a:fld>
             <a:endParaRPr lang="en-US"/>
           </a:p>
@@ -20811,6 +21090,232 @@
       </p:grpSpPr>
       <p:sp>
         <p:nvSpPr>
+          <p:cNvPr id="7" name="Rectangle 6">
+            <a:extLst>
+              <a:ext uri="{FF2B5EF4-FFF2-40B4-BE49-F238E27FC236}">
+                <a16:creationId xmlns:a16="http://schemas.microsoft.com/office/drawing/2014/main" id="{9D1F02BA-7033-4211-D414-96B5C7F54B85}"/>
+              </a:ext>
+            </a:extLst>
+          </p:cNvPr>
+          <p:cNvSpPr/>
+          <p:nvPr/>
+        </p:nvSpPr>
+        <p:spPr>
+          <a:xfrm>
+            <a:off x="0" y="1749600"/>
+            <a:ext cx="9144000" cy="3393900"/>
+          </a:xfrm>
+          <a:prstGeom prst="rect">
+            <a:avLst/>
+          </a:prstGeom>
+          <a:solidFill>
+            <a:srgbClr val="FFFFFF"/>
+          </a:solidFill>
+          <a:ln>
+            <a:solidFill>
+              <a:srgbClr val="FFFFFF"/>
+            </a:solidFill>
+          </a:ln>
+        </p:spPr>
+        <p:style>
+          <a:lnRef idx="2">
+            <a:schemeClr val="accent1">
+              <a:shade val="15000"/>
+            </a:schemeClr>
+          </a:lnRef>
+          <a:fillRef idx="1">
+            <a:schemeClr val="accent1"/>
+          </a:fillRef>
+          <a:effectRef idx="0">
+            <a:schemeClr val="accent1"/>
+          </a:effectRef>
+          <a:fontRef idx="minor">
+            <a:schemeClr val="lt1"/>
+          </a:fontRef>
+        </p:style>
+        <p:txBody>
+          <a:bodyPr rtlCol="0" anchor="ctr"/>
+          <a:lstStyle/>
+          <a:p>
+            <a:pPr algn="ctr"/>
+            <a:endParaRPr lang="en-GB"/>
+          </a:p>
+        </p:txBody>
+      </p:sp>
+      <p:sp>
+        <p:nvSpPr>
+          <p:cNvPr id="2" name="Title 1">
+            <a:extLst>
+              <a:ext uri="{FF2B5EF4-FFF2-40B4-BE49-F238E27FC236}">
+                <a16:creationId xmlns:a16="http://schemas.microsoft.com/office/drawing/2014/main" id="{4C12BE24-2058-49BA-8AA4-1B63BBB20E67}"/>
+              </a:ext>
+            </a:extLst>
+          </p:cNvPr>
+          <p:cNvSpPr>
+            <a:spLocks noGrp="1"/>
+          </p:cNvSpPr>
+          <p:nvPr>
+            <p:ph type="title"/>
+          </p:nvPr>
+        </p:nvSpPr>
+        <p:spPr/>
+        <p:txBody>
+          <a:bodyPr/>
+          <a:lstStyle/>
+          <a:p>
+            <a:r>
+              <a:rPr lang="en-GB" dirty="0"/>
+              <a:t>Thanks, Med</a:t>
+            </a:r>
+          </a:p>
+        </p:txBody>
+      </p:sp>
+      <p:sp>
+        <p:nvSpPr>
+          <p:cNvPr id="3" name="Text Placeholder 2">
+            <a:extLst>
+              <a:ext uri="{FF2B5EF4-FFF2-40B4-BE49-F238E27FC236}">
+                <a16:creationId xmlns:a16="http://schemas.microsoft.com/office/drawing/2014/main" id="{A95115E0-B9F1-84CC-0174-144F57D09D35}"/>
+              </a:ext>
+            </a:extLst>
+          </p:cNvPr>
+          <p:cNvSpPr>
+            <a:spLocks noGrp="1"/>
+          </p:cNvSpPr>
+          <p:nvPr>
+            <p:ph type="body" idx="1"/>
+          </p:nvPr>
+        </p:nvSpPr>
+        <p:spPr/>
+        <p:txBody>
+          <a:bodyPr/>
+          <a:lstStyle/>
+          <a:p>
+            <a:r>
+              <a:rPr lang="en-GB" dirty="0"/>
+              <a:t>Med has been “promoted” to OPS AD</a:t>
+            </a:r>
+          </a:p>
+          <a:p>
+            <a:r>
+              <a:rPr lang="en-GB" dirty="0"/>
+              <a:t>He’s only been with us as CATS co-chair since July 2024</a:t>
+            </a:r>
+          </a:p>
+          <a:p>
+            <a:r>
+              <a:rPr lang="en-GB" dirty="0"/>
+              <a:t>But he’s been a great help moving the work forward</a:t>
+            </a:r>
+          </a:p>
+          <a:p>
+            <a:r>
+              <a:rPr lang="en-GB" dirty="0"/>
+              <a:t>We wish him good fortune in his new role</a:t>
+            </a:r>
+          </a:p>
+        </p:txBody>
+      </p:sp>
+      <p:sp>
+        <p:nvSpPr>
+          <p:cNvPr id="4" name="Slide Number Placeholder 3">
+            <a:extLst>
+              <a:ext uri="{FF2B5EF4-FFF2-40B4-BE49-F238E27FC236}">
+                <a16:creationId xmlns:a16="http://schemas.microsoft.com/office/drawing/2014/main" id="{2E565C7D-9968-E5F2-B5FD-86F81A1FA76A}"/>
+              </a:ext>
+            </a:extLst>
+          </p:cNvPr>
+          <p:cNvSpPr>
+            <a:spLocks noGrp="1"/>
+          </p:cNvSpPr>
+          <p:nvPr>
+            <p:ph type="sldNum" idx="12"/>
+          </p:nvPr>
+        </p:nvSpPr>
+        <p:spPr/>
+        <p:txBody>
+          <a:bodyPr/>
+          <a:lstStyle/>
+          <a:p>
+            <a:pPr marL="0" lvl="0" indent="0" algn="r" rtl="0">
+              <a:spcBef>
+                <a:spcPts val="0"/>
+              </a:spcBef>
+              <a:spcAft>
+                <a:spcPts val="0"/>
+              </a:spcAft>
+              <a:buNone/>
+            </a:pPr>
+            <a:fld id="{00000000-1234-1234-1234-123412341234}" type="slidenum">
+              <a:rPr lang="en-US" smtClean="0"/>
+              <a:t>6</a:t>
+            </a:fld>
+            <a:endParaRPr lang="en-US"/>
+          </a:p>
+        </p:txBody>
+      </p:sp>
+      <p:pic>
+        <p:nvPicPr>
+          <p:cNvPr id="6" name="Picture 5">
+            <a:extLst>
+              <a:ext uri="{FF2B5EF4-FFF2-40B4-BE49-F238E27FC236}">
+                <a16:creationId xmlns:a16="http://schemas.microsoft.com/office/drawing/2014/main" id="{667960BB-BFE1-04AF-77EB-C5193695C535}"/>
+              </a:ext>
+            </a:extLst>
+          </p:cNvPr>
+          <p:cNvPicPr>
+            <a:picLocks noChangeAspect="1"/>
+          </p:cNvPicPr>
+          <p:nvPr/>
+        </p:nvPicPr>
+        <p:blipFill>
+          <a:blip r:embed="rId2"/>
+          <a:stretch>
+            <a:fillRect/>
+          </a:stretch>
+        </p:blipFill>
+        <p:spPr>
+          <a:xfrm>
+            <a:off x="6146836" y="1714500"/>
+            <a:ext cx="2137985" cy="3429000"/>
+          </a:xfrm>
+          <a:prstGeom prst="rect">
+            <a:avLst/>
+          </a:prstGeom>
+        </p:spPr>
+      </p:pic>
+    </p:spTree>
+    <p:extLst>
+      <p:ext uri="{BB962C8B-B14F-4D97-AF65-F5344CB8AC3E}">
+        <p14:creationId xmlns:p14="http://schemas.microsoft.com/office/powerpoint/2010/main" val="938411411"/>
+      </p:ext>
+    </p:extLst>
+  </p:cSld>
+  <p:clrMapOvr>
+    <a:masterClrMapping/>
+  </p:clrMapOvr>
+</p:sld>
+</file>
+
+<file path=ppt/slides/slide7.xml><?xml version="1.0" encoding="utf-8"?>
+<p:sld xmlns:a="http://schemas.openxmlformats.org/drawingml/2006/main" xmlns:r="http://schemas.openxmlformats.org/officeDocument/2006/relationships" xmlns:p="http://schemas.openxmlformats.org/presentationml/2006/main">
+  <p:cSld>
+    <p:spTree>
+      <p:nvGrpSpPr>
+        <p:cNvPr id="1" name=""/>
+        <p:cNvGrpSpPr/>
+        <p:nvPr/>
+      </p:nvGrpSpPr>
+      <p:grpSpPr>
+        <a:xfrm>
+          <a:off x="0" y="0"/>
+          <a:ext cx="0" cy="0"/>
+          <a:chOff x="0" y="0"/>
+          <a:chExt cx="0" cy="0"/>
+        </a:xfrm>
+      </p:grpSpPr>
+      <p:sp>
+        <p:nvSpPr>
           <p:cNvPr id="2" name="Titre 1">
             <a:extLst>
               <a:ext uri="{FF2B5EF4-FFF2-40B4-BE49-F238E27FC236}">
@@ -20874,7 +21379,7 @@
             </a:pPr>
             <a:fld id="{00000000-1234-1234-1234-123412341234}" type="slidenum">
               <a:rPr lang="en-US" smtClean="0"/>
-              <a:t>6</a:t>
+              <a:t>7</a:t>
             </a:fld>
             <a:endParaRPr lang="en-US"/>
           </a:p>
@@ -21011,7 +21516,7 @@
 </p:sld>
 </file>
 
-<file path=ppt/slides/slide7.xml><?xml version="1.0" encoding="utf-8"?>
+<file path=ppt/slides/slide8.xml><?xml version="1.0" encoding="utf-8"?>
 <p:sld xmlns:a="http://schemas.openxmlformats.org/drawingml/2006/main" xmlns:r="http://schemas.openxmlformats.org/officeDocument/2006/relationships" xmlns:p="http://schemas.openxmlformats.org/presentationml/2006/main">
   <p:cSld>
     <p:spTree>
@@ -21122,7 +21627,7 @@
             </a:pPr>
             <a:fld id="{00000000-1234-1234-1234-123412341234}" type="slidenum">
               <a:rPr lang="en-US" smtClean="0"/>
-              <a:t>7</a:t>
+              <a:t>8</a:t>
             </a:fld>
             <a:endParaRPr lang="en-US"/>
           </a:p>
@@ -21141,7 +21646,7 @@
 </p:sld>
 </file>
 
-<file path=ppt/slides/slide8.xml><?xml version="1.0" encoding="utf-8"?>
+<file path=ppt/slides/slide9.xml><?xml version="1.0" encoding="utf-8"?>
 <p:sld xmlns:a="http://schemas.openxmlformats.org/drawingml/2006/main" xmlns:r="http://schemas.openxmlformats.org/officeDocument/2006/relationships" xmlns:p="http://schemas.openxmlformats.org/presentationml/2006/main">
   <p:cSld>
     <p:spTree>
@@ -21222,7 +21727,7 @@
             </a:pPr>
             <a:fld id="{00000000-1234-1234-1234-123412341234}" type="slidenum">
               <a:rPr lang="en-US" smtClean="0"/>
-              <a:t>8</a:t>
+              <a:t>9</a:t>
             </a:fld>
             <a:endParaRPr lang="en-US"/>
           </a:p>
@@ -21818,285 +22323,6 @@
     <p:extLst>
       <p:ext uri="{BB962C8B-B14F-4D97-AF65-F5344CB8AC3E}">
         <p14:creationId xmlns:p14="http://schemas.microsoft.com/office/powerpoint/2010/main" val="2749868532"/>
-      </p:ext>
-    </p:extLst>
-  </p:cSld>
-  <p:clrMapOvr>
-    <a:masterClrMapping/>
-  </p:clrMapOvr>
-</p:sld>
-</file>
-
-<file path=ppt/slides/slide9.xml><?xml version="1.0" encoding="utf-8"?>
-<p:sld xmlns:a="http://schemas.openxmlformats.org/drawingml/2006/main" xmlns:r="http://schemas.openxmlformats.org/officeDocument/2006/relationships" xmlns:p="http://schemas.openxmlformats.org/presentationml/2006/main">
-  <p:cSld>
-    <p:spTree>
-      <p:nvGrpSpPr>
-        <p:cNvPr id="1" name=""/>
-        <p:cNvGrpSpPr/>
-        <p:nvPr/>
-      </p:nvGrpSpPr>
-      <p:grpSpPr>
-        <a:xfrm>
-          <a:off x="0" y="0"/>
-          <a:ext cx="0" cy="0"/>
-          <a:chOff x="0" y="0"/>
-          <a:chExt cx="0" cy="0"/>
-        </a:xfrm>
-      </p:grpSpPr>
-      <p:sp>
-        <p:nvSpPr>
-          <p:cNvPr id="2" name="Titre 1">
-            <a:extLst>
-              <a:ext uri="{FF2B5EF4-FFF2-40B4-BE49-F238E27FC236}">
-                <a16:creationId xmlns:a16="http://schemas.microsoft.com/office/drawing/2014/main" id="{8CA407AD-6D47-FD00-DB11-370AFCFFA6C2}"/>
-              </a:ext>
-            </a:extLst>
-          </p:cNvPr>
-          <p:cNvSpPr>
-            <a:spLocks noGrp="1"/>
-          </p:cNvSpPr>
-          <p:nvPr>
-            <p:ph type="title"/>
-          </p:nvPr>
-        </p:nvSpPr>
-        <p:spPr/>
-        <p:txBody>
-          <a:bodyPr/>
-          <a:lstStyle/>
-          <a:p>
-            <a:r>
-              <a:rPr lang="fr-FR" dirty="0"/>
-              <a:t>CATS Use Cases &amp; </a:t>
-            </a:r>
-            <a:r>
-              <a:rPr lang="fr-FR" dirty="0" err="1"/>
-              <a:t>Requirements</a:t>
-            </a:r>
-            <a:endParaRPr lang="fr-FR" dirty="0"/>
-          </a:p>
-        </p:txBody>
-      </p:sp>
-      <p:sp>
-        <p:nvSpPr>
-          <p:cNvPr id="4" name="Espace réservé du numéro de diapositive 3">
-            <a:extLst>
-              <a:ext uri="{FF2B5EF4-FFF2-40B4-BE49-F238E27FC236}">
-                <a16:creationId xmlns:a16="http://schemas.microsoft.com/office/drawing/2014/main" id="{624AA405-6699-8D1C-1A29-C407687855A1}"/>
-              </a:ext>
-            </a:extLst>
-          </p:cNvPr>
-          <p:cNvSpPr>
-            <a:spLocks noGrp="1"/>
-          </p:cNvSpPr>
-          <p:nvPr>
-            <p:ph type="sldNum" idx="12"/>
-          </p:nvPr>
-        </p:nvSpPr>
-        <p:spPr/>
-        <p:txBody>
-          <a:bodyPr/>
-          <a:lstStyle/>
-          <a:p>
-            <a:pPr marL="0" lvl="0" indent="0" algn="r" rtl="0">
-              <a:spcBef>
-                <a:spcPts val="0"/>
-              </a:spcBef>
-              <a:spcAft>
-                <a:spcPts val="0"/>
-              </a:spcAft>
-              <a:buNone/>
-            </a:pPr>
-            <a:fld id="{00000000-1234-1234-1234-123412341234}" type="slidenum">
-              <a:rPr lang="en-US" smtClean="0"/>
-              <a:t>9</a:t>
-            </a:fld>
-            <a:endParaRPr lang="en-US"/>
-          </a:p>
-        </p:txBody>
-      </p:sp>
-      <p:sp>
-        <p:nvSpPr>
-          <p:cNvPr id="3" name="Google Shape;120;p22">
-            <a:extLst>
-              <a:ext uri="{FF2B5EF4-FFF2-40B4-BE49-F238E27FC236}">
-                <a16:creationId xmlns:a16="http://schemas.microsoft.com/office/drawing/2014/main" id="{CBD77164-6260-B036-A914-219B519CCDA1}"/>
-              </a:ext>
-            </a:extLst>
-          </p:cNvPr>
-          <p:cNvSpPr txBox="1">
-            <a:spLocks noGrp="1"/>
-          </p:cNvSpPr>
-          <p:nvPr>
-            <p:ph type="body" idx="1"/>
-          </p:nvPr>
-        </p:nvSpPr>
-        <p:spPr>
-          <a:xfrm>
-            <a:off x="331800" y="1896950"/>
-            <a:ext cx="8480400" cy="2727300"/>
-          </a:xfrm>
-          <a:prstGeom prst="rect">
-            <a:avLst/>
-          </a:prstGeom>
-          <a:noFill/>
-          <a:ln>
-            <a:noFill/>
-          </a:ln>
-        </p:spPr>
-        <p:txBody>
-          <a:bodyPr spcFirstLastPara="1" wrap="square" lIns="91400" tIns="91400" rIns="91400" bIns="91400" anchor="t" anchorCtr="0">
-            <a:noAutofit/>
-          </a:bodyPr>
-          <a:lstStyle/>
-          <a:p>
-            <a:pPr marL="0" lvl="0" indent="0" algn="l" rtl="0">
-              <a:lnSpc>
-                <a:spcPct val="110000"/>
-              </a:lnSpc>
-              <a:spcBef>
-                <a:spcPts val="300"/>
-              </a:spcBef>
-              <a:spcAft>
-                <a:spcPts val="0"/>
-              </a:spcAft>
-              <a:buNone/>
-            </a:pPr>
-            <a:r>
-              <a:rPr lang="fr-FR" sz="1600" b="1" dirty="0">
-                <a:solidFill>
-                  <a:srgbClr val="000000"/>
-                </a:solidFill>
-              </a:rPr>
-              <a:t>Goals</a:t>
-            </a:r>
-            <a:endParaRPr sz="1600" dirty="0">
-              <a:solidFill>
-                <a:srgbClr val="000000"/>
-              </a:solidFill>
-            </a:endParaRPr>
-          </a:p>
-          <a:p>
-            <a:pPr algn="l">
-              <a:buFont typeface="Arial" panose="020B0604020202020204" pitchFamily="34" charset="0"/>
-              <a:buChar char="•"/>
-            </a:pPr>
-            <a:r>
-              <a:rPr lang="en-US" b="0" i="1" dirty="0">
-                <a:solidFill>
-                  <a:srgbClr val="1F2328"/>
-                </a:solidFill>
-                <a:effectLst/>
-                <a:latin typeface="-apple-system"/>
-              </a:rPr>
-              <a:t>Share UCs consolidation updates since IETF#121</a:t>
-            </a:r>
-            <a:endParaRPr lang="en-US" b="0" i="0" dirty="0">
-              <a:solidFill>
-                <a:srgbClr val="1F2328"/>
-              </a:solidFill>
-              <a:effectLst/>
-              <a:latin typeface="-apple-system"/>
-            </a:endParaRPr>
-          </a:p>
-          <a:p>
-            <a:pPr algn="l">
-              <a:buFont typeface="Arial" panose="020B0604020202020204" pitchFamily="34" charset="0"/>
-              <a:buChar char="•"/>
-            </a:pPr>
-            <a:r>
-              <a:rPr lang="en-US" b="0" i="1" dirty="0">
-                <a:solidFill>
-                  <a:srgbClr val="1F2328"/>
-                </a:solidFill>
-                <a:effectLst/>
-                <a:latin typeface="-apple-system"/>
-              </a:rPr>
-              <a:t>Resolve remaining issues</a:t>
-            </a:r>
-            <a:endParaRPr lang="en-US" b="0" i="0" dirty="0">
-              <a:solidFill>
-                <a:srgbClr val="1F2328"/>
-              </a:solidFill>
-              <a:effectLst/>
-              <a:latin typeface="-apple-system"/>
-            </a:endParaRPr>
-          </a:p>
-          <a:p>
-            <a:pPr algn="l">
-              <a:buFont typeface="Arial" panose="020B0604020202020204" pitchFamily="34" charset="0"/>
-              <a:buChar char="•"/>
-            </a:pPr>
-            <a:r>
-              <a:rPr lang="en-US" b="0" i="1" dirty="0">
-                <a:solidFill>
-                  <a:srgbClr val="1F2328"/>
-                </a:solidFill>
-                <a:effectLst/>
-                <a:latin typeface="-apple-system"/>
-              </a:rPr>
-              <a:t>Agree on the publication plan</a:t>
-            </a:r>
-            <a:endParaRPr lang="en-US" b="0" i="0" dirty="0">
-              <a:solidFill>
-                <a:srgbClr val="1F2328"/>
-              </a:solidFill>
-              <a:effectLst/>
-              <a:latin typeface="-apple-system"/>
-            </a:endParaRPr>
-          </a:p>
-          <a:p>
-            <a:pPr marL="742950" lvl="1" indent="-285750" algn="l">
-              <a:buFont typeface="Arial" panose="020B0604020202020204" pitchFamily="34" charset="0"/>
-              <a:buChar char="•"/>
-            </a:pPr>
-            <a:r>
-              <a:rPr lang="en-US" b="0" i="1" dirty="0">
-                <a:solidFill>
-                  <a:srgbClr val="1F2328"/>
-                </a:solidFill>
-                <a:effectLst/>
-                <a:latin typeface="-apple-system"/>
-              </a:rPr>
-              <a:t>Target WGLC date</a:t>
-            </a:r>
-            <a:endParaRPr lang="en-US" b="0" i="0" dirty="0">
-              <a:solidFill>
-                <a:srgbClr val="1F2328"/>
-              </a:solidFill>
-              <a:effectLst/>
-              <a:latin typeface="-apple-system"/>
-            </a:endParaRPr>
-          </a:p>
-          <a:p>
-            <a:pPr marL="742950" lvl="1" indent="-285750" algn="l">
-              <a:buFont typeface="Arial" panose="020B0604020202020204" pitchFamily="34" charset="0"/>
-              <a:buChar char="•"/>
-            </a:pPr>
-            <a:r>
-              <a:rPr lang="en-US" b="0" i="1" dirty="0">
-                <a:solidFill>
-                  <a:srgbClr val="1F2328"/>
-                </a:solidFill>
-                <a:effectLst/>
-                <a:latin typeface="-apple-system"/>
-              </a:rPr>
-              <a:t>Tag as Information-Only or Request Publication?</a:t>
-            </a:r>
-            <a:endParaRPr lang="en-US" b="0" i="0" dirty="0">
-              <a:solidFill>
-                <a:srgbClr val="1F2328"/>
-              </a:solidFill>
-              <a:effectLst/>
-              <a:latin typeface="-apple-system"/>
-            </a:endParaRPr>
-          </a:p>
-        </p:txBody>
-      </p:sp>
-    </p:spTree>
-    <p:extLst>
-      <p:ext uri="{BB962C8B-B14F-4D97-AF65-F5344CB8AC3E}">
-        <p14:creationId xmlns:p14="http://schemas.microsoft.com/office/powerpoint/2010/main" val="4235656547"/>
       </p:ext>
     </p:extLst>
   </p:cSld>
@@ -22951,6 +23177,6 @@
 
 <file path=docMetadata/LabelInfo.xml><?xml version="1.0" encoding="utf-8"?>
 <clbl:labelList xmlns:clbl="http://schemas.microsoft.com/office/2020/mipLabelMetadata">
-  <clbl:label id="{e6c818a6-e1a0-4a6e-a969-20d857c5dc62}" enabled="1" method="Standard" siteId="{90c7a20a-f34b-40bf-bc48-b9253b6f5d20}" contentBits="2" removed="0"/>
+  <clbl:label id="{e6c818a6-e1a0-4a6e-a969-20d857c5dc62}" enabled="1" method="Standard" siteId="{90c7a20a-f34b-40bf-bc48-b9253b6f5d20}" removed="0"/>
 </clbl:labelList>
 </file>